--- a/backend/nodebeginner/Nodejs.pptx
+++ b/backend/nodebeginner/Nodejs.pptx
@@ -5,7 +5,7 @@
     <p:sldMasterId id="2147483648" r:id="rId1"/>
   </p:sldMasterIdLst>
   <p:notesMasterIdLst>
-    <p:notesMasterId r:id="rId16"/>
+    <p:notesMasterId r:id="rId18"/>
   </p:notesMasterIdLst>
   <p:sldIdLst>
     <p:sldId id="256" r:id="rId2"/>
@@ -21,7 +21,9 @@
     <p:sldId id="266" r:id="rId12"/>
     <p:sldId id="269" r:id="rId13"/>
     <p:sldId id="267" r:id="rId14"/>
-    <p:sldId id="268" r:id="rId15"/>
+    <p:sldId id="270" r:id="rId15"/>
+    <p:sldId id="271" r:id="rId16"/>
+    <p:sldId id="268" r:id="rId17"/>
   </p:sldIdLst>
   <p:sldSz cx="9144000" cy="6858000" type="screen4x3"/>
   <p:notesSz cx="6858000" cy="9144000"/>
@@ -205,7 +207,8 @@
           <a:p>
             <a:fld id="{E5A34EB3-5E82-4820-A600-1C93CDED25AE}" type="datetimeFigureOut">
               <a:rPr lang="zh-CN" altLang="en-US" smtClean="0"/>
-              <a:t>2017/7/19 Wednesday</a:t>
+              <a:pPr/>
+              <a:t>2017/7/20 Thursday</a:t>
             </a:fld>
             <a:endParaRPr lang="zh-CN" altLang="en-US"/>
           </a:p>
@@ -366,6 +369,7 @@
           <a:p>
             <a:fld id="{ACDEC303-1784-4E40-BB61-991F4954480B}" type="slidenum">
               <a:rPr lang="zh-CN" altLang="en-US" smtClean="0"/>
+              <a:pPr/>
               <a:t>‹#›</a:t>
             </a:fld>
             <a:endParaRPr lang="zh-CN" altLang="en-US"/>
@@ -548,6 +552,7 @@
           <a:p>
             <a:fld id="{ACDEC303-1784-4E40-BB61-991F4954480B}" type="slidenum">
               <a:rPr lang="zh-CN" altLang="en-US" smtClean="0"/>
+              <a:pPr/>
               <a:t>8</a:t>
             </a:fld>
             <a:endParaRPr lang="zh-CN" altLang="en-US"/>
@@ -756,6 +761,7 @@
           <a:p>
             <a:fld id="{ACDEC303-1784-4E40-BB61-991F4954480B}" type="slidenum">
               <a:rPr lang="zh-CN" altLang="en-US" smtClean="0"/>
+              <a:pPr/>
               <a:t>9</a:t>
             </a:fld>
             <a:endParaRPr lang="zh-CN" altLang="en-US"/>
@@ -931,6 +937,7 @@
           <a:p>
             <a:fld id="{ACDEC303-1784-4E40-BB61-991F4954480B}" type="slidenum">
               <a:rPr lang="zh-CN" altLang="en-US" smtClean="0"/>
+              <a:pPr/>
               <a:t>13</a:t>
             </a:fld>
             <a:endParaRPr lang="zh-CN" altLang="en-US"/>
@@ -1012,7 +1019,8 @@
           <a:p>
             <a:fld id="{ACDEC303-1784-4E40-BB61-991F4954480B}" type="slidenum">
               <a:rPr lang="zh-CN" altLang="en-US" smtClean="0"/>
-              <a:t>14</a:t>
+              <a:pPr/>
+              <a:t>16</a:t>
             </a:fld>
             <a:endParaRPr lang="zh-CN" altLang="en-US"/>
           </a:p>
@@ -1208,7 +1216,7 @@
             <a:fld id="{530820CF-B880-4189-942D-D702A7CBA730}" type="datetimeFigureOut">
               <a:rPr lang="zh-CN" altLang="en-US" smtClean="0"/>
               <a:pPr/>
-              <a:t>2017/7/19 Wednesday</a:t>
+              <a:t>2017/7/20 Thursday</a:t>
             </a:fld>
             <a:endParaRPr lang="zh-CN" altLang="en-US"/>
           </a:p>
@@ -1375,7 +1383,7 @@
             <a:fld id="{530820CF-B880-4189-942D-D702A7CBA730}" type="datetimeFigureOut">
               <a:rPr lang="zh-CN" altLang="en-US" smtClean="0"/>
               <a:pPr/>
-              <a:t>2017/7/19 Wednesday</a:t>
+              <a:t>2017/7/20 Thursday</a:t>
             </a:fld>
             <a:endParaRPr lang="zh-CN" altLang="en-US"/>
           </a:p>
@@ -1552,7 +1560,7 @@
             <a:fld id="{530820CF-B880-4189-942D-D702A7CBA730}" type="datetimeFigureOut">
               <a:rPr lang="zh-CN" altLang="en-US" smtClean="0"/>
               <a:pPr/>
-              <a:t>2017/7/19 Wednesday</a:t>
+              <a:t>2017/7/20 Thursday</a:t>
             </a:fld>
             <a:endParaRPr lang="zh-CN" altLang="en-US"/>
           </a:p>
@@ -1719,7 +1727,7 @@
             <a:fld id="{530820CF-B880-4189-942D-D702A7CBA730}" type="datetimeFigureOut">
               <a:rPr lang="zh-CN" altLang="en-US" smtClean="0"/>
               <a:pPr/>
-              <a:t>2017/7/19 Wednesday</a:t>
+              <a:t>2017/7/20 Thursday</a:t>
             </a:fld>
             <a:endParaRPr lang="zh-CN" altLang="en-US"/>
           </a:p>
@@ -1962,7 +1970,7 @@
             <a:fld id="{530820CF-B880-4189-942D-D702A7CBA730}" type="datetimeFigureOut">
               <a:rPr lang="zh-CN" altLang="en-US" smtClean="0"/>
               <a:pPr/>
-              <a:t>2017/7/19 Wednesday</a:t>
+              <a:t>2017/7/20 Thursday</a:t>
             </a:fld>
             <a:endParaRPr lang="zh-CN" altLang="en-US"/>
           </a:p>
@@ -2247,7 +2255,7 @@
             <a:fld id="{530820CF-B880-4189-942D-D702A7CBA730}" type="datetimeFigureOut">
               <a:rPr lang="zh-CN" altLang="en-US" smtClean="0"/>
               <a:pPr/>
-              <a:t>2017/7/19 Wednesday</a:t>
+              <a:t>2017/7/20 Thursday</a:t>
             </a:fld>
             <a:endParaRPr lang="zh-CN" altLang="en-US"/>
           </a:p>
@@ -2666,7 +2674,7 @@
             <a:fld id="{530820CF-B880-4189-942D-D702A7CBA730}" type="datetimeFigureOut">
               <a:rPr lang="zh-CN" altLang="en-US" smtClean="0"/>
               <a:pPr/>
-              <a:t>2017/7/19 Wednesday</a:t>
+              <a:t>2017/7/20 Thursday</a:t>
             </a:fld>
             <a:endParaRPr lang="zh-CN" altLang="en-US"/>
           </a:p>
@@ -2781,7 +2789,7 @@
             <a:fld id="{530820CF-B880-4189-942D-D702A7CBA730}" type="datetimeFigureOut">
               <a:rPr lang="zh-CN" altLang="en-US" smtClean="0"/>
               <a:pPr/>
-              <a:t>2017/7/19 Wednesday</a:t>
+              <a:t>2017/7/20 Thursday</a:t>
             </a:fld>
             <a:endParaRPr lang="zh-CN" altLang="en-US"/>
           </a:p>
@@ -2873,7 +2881,7 @@
             <a:fld id="{530820CF-B880-4189-942D-D702A7CBA730}" type="datetimeFigureOut">
               <a:rPr lang="zh-CN" altLang="en-US" smtClean="0"/>
               <a:pPr/>
-              <a:t>2017/7/19 Wednesday</a:t>
+              <a:t>2017/7/20 Thursday</a:t>
             </a:fld>
             <a:endParaRPr lang="zh-CN" altLang="en-US"/>
           </a:p>
@@ -3147,7 +3155,7 @@
             <a:fld id="{530820CF-B880-4189-942D-D702A7CBA730}" type="datetimeFigureOut">
               <a:rPr lang="zh-CN" altLang="en-US" smtClean="0"/>
               <a:pPr/>
-              <a:t>2017/7/19 Wednesday</a:t>
+              <a:t>2017/7/20 Thursday</a:t>
             </a:fld>
             <a:endParaRPr lang="zh-CN" altLang="en-US"/>
           </a:p>
@@ -3397,7 +3405,7 @@
             <a:fld id="{530820CF-B880-4189-942D-D702A7CBA730}" type="datetimeFigureOut">
               <a:rPr lang="zh-CN" altLang="en-US" smtClean="0"/>
               <a:pPr/>
-              <a:t>2017/7/19 Wednesday</a:t>
+              <a:t>2017/7/20 Thursday</a:t>
             </a:fld>
             <a:endParaRPr lang="zh-CN" altLang="en-US"/>
           </a:p>
@@ -3607,7 +3615,7 @@
             <a:fld id="{530820CF-B880-4189-942D-D702A7CBA730}" type="datetimeFigureOut">
               <a:rPr lang="zh-CN" altLang="en-US" smtClean="0"/>
               <a:pPr/>
-              <a:t>2017/7/19 Wednesday</a:t>
+              <a:t>2017/7/20 Thursday</a:t>
             </a:fld>
             <a:endParaRPr lang="zh-CN" altLang="en-US"/>
           </a:p>
@@ -4076,11 +4084,7 @@
           <a:p>
             <a:r>
               <a:rPr lang="zh-CN" altLang="en-US" dirty="0" smtClean="0"/>
-              <a:t>网</a:t>
-            </a:r>
-            <a:r>
-              <a:rPr lang="zh-CN" altLang="en-US" dirty="0" smtClean="0"/>
-              <a:t>站（如</a:t>
+              <a:t>网站（如</a:t>
             </a:r>
             <a:r>
               <a:rPr lang="en-US" altLang="zh-CN" dirty="0" smtClean="0"/>
@@ -4146,11 +4150,7 @@
           <a:p>
             <a:r>
               <a:rPr lang="en-US" altLang="zh-CN" dirty="0" smtClean="0"/>
-              <a:t>HTTP </a:t>
-            </a:r>
-            <a:r>
-              <a:rPr lang="en-US" altLang="zh-CN" dirty="0" smtClean="0"/>
-              <a:t>Proxy</a:t>
+              <a:t>HTTP Proxy</a:t>
             </a:r>
             <a:r>
               <a:rPr lang="zh-CN" altLang="en-US" dirty="0" smtClean="0"/>
@@ -4168,11 +4168,7 @@
           <a:p>
             <a:r>
               <a:rPr lang="zh-CN" altLang="en-US" dirty="0" smtClean="0"/>
-              <a:t>前</a:t>
-            </a:r>
-            <a:r>
-              <a:rPr lang="zh-CN" altLang="en-US" dirty="0" smtClean="0"/>
-              <a:t>端构建工具</a:t>
+              <a:t>前端构建工具</a:t>
             </a:r>
             <a:r>
               <a:rPr lang="en-US" altLang="zh-CN" dirty="0" smtClean="0"/>
@@ -4182,11 +4178,7 @@
           <a:p>
             <a:r>
               <a:rPr lang="zh-CN" altLang="en-US" dirty="0" smtClean="0"/>
-              <a:t>写</a:t>
-            </a:r>
-            <a:r>
-              <a:rPr lang="zh-CN" altLang="en-US" dirty="0" smtClean="0"/>
-              <a:t>操作系统（</a:t>
+              <a:t>写操作系统（</a:t>
             </a:r>
             <a:r>
               <a:rPr lang="en-US" altLang="zh-CN" dirty="0" err="1" smtClean="0"/>
@@ -4200,11 +4192,7 @@
           <a:p>
             <a:r>
               <a:rPr lang="zh-CN" altLang="en-US" dirty="0" smtClean="0"/>
-              <a:t>跨</a:t>
-            </a:r>
-            <a:r>
-              <a:rPr lang="zh-CN" altLang="en-US" dirty="0" smtClean="0"/>
-              <a:t>平台打包工具（</a:t>
+              <a:t>跨平台打包工具（</a:t>
             </a:r>
             <a:r>
               <a:rPr lang="en-US" altLang="zh-CN" dirty="0" smtClean="0"/>
@@ -4274,11 +4262,7 @@
           <a:p>
             <a:r>
               <a:rPr lang="zh-CN" altLang="en-US" dirty="0" smtClean="0"/>
-              <a:t>命</a:t>
-            </a:r>
-            <a:r>
-              <a:rPr lang="zh-CN" altLang="en-US" dirty="0" smtClean="0"/>
-              <a:t>令行工具（比如</a:t>
+              <a:t>命令行工具（比如</a:t>
             </a:r>
             <a:r>
               <a:rPr lang="en-US" altLang="zh-CN" dirty="0" err="1" smtClean="0"/>
@@ -4300,11 +4284,7 @@
           <a:p>
             <a:r>
               <a:rPr lang="zh-CN" altLang="en-US" dirty="0" smtClean="0"/>
-              <a:t>反</a:t>
-            </a:r>
-            <a:r>
-              <a:rPr lang="zh-CN" altLang="en-US" dirty="0" smtClean="0"/>
-              <a:t>向代理（比如</a:t>
+              <a:t>反向代理（比如</a:t>
             </a:r>
             <a:r>
               <a:rPr lang="en-US" altLang="zh-CN" dirty="0" err="1" smtClean="0"/>
@@ -4326,11 +4306,7 @@
           <a:p>
             <a:r>
               <a:rPr lang="zh-CN" altLang="en-US" dirty="0" smtClean="0"/>
-              <a:t>编</a:t>
-            </a:r>
-            <a:r>
-              <a:rPr lang="zh-CN" altLang="en-US" dirty="0" smtClean="0"/>
-              <a:t>辑器</a:t>
+              <a:t>编辑器</a:t>
             </a:r>
             <a:r>
               <a:rPr lang="en-US" altLang="zh-CN" dirty="0" smtClean="0"/>
@@ -4452,13 +4428,8 @@
             </a:r>
             <a:r>
               <a:rPr lang="en-US" altLang="zh-CN" dirty="0" smtClean="0"/>
-              <a:t>https://</a:t>
-            </a:r>
-            <a:r>
-              <a:rPr lang="en-US" altLang="zh-CN" dirty="0" smtClean="0"/>
-              <a:t>nodejs.org</a:t>
-            </a:r>
-            <a:endParaRPr lang="en-US" altLang="zh-CN" dirty="0" smtClean="0"/>
+              <a:t>https://nodejs.org</a:t>
+            </a:r>
           </a:p>
           <a:p>
             <a:pPr lvl="1"/>
@@ -4491,15 +4462,7 @@
             <a:pPr lvl="1"/>
             <a:r>
               <a:rPr lang="zh-CN" altLang="en-US" dirty="0" smtClean="0"/>
-              <a:t>奇</a:t>
-            </a:r>
-            <a:r>
-              <a:rPr lang="zh-CN" altLang="en-US" dirty="0" smtClean="0"/>
-              <a:t>数是新功能试验版，不建议产品环境使</a:t>
-            </a:r>
-            <a:r>
-              <a:rPr lang="zh-CN" altLang="en-US" dirty="0" smtClean="0"/>
-              <a:t>用</a:t>
+              <a:t>奇数是新功能试验版，不建议产品环境使用</a:t>
             </a:r>
             <a:endParaRPr lang="en-US" altLang="zh-CN" dirty="0" smtClean="0"/>
           </a:p>
@@ -4507,15 +4470,7 @@
             <a:pPr lvl="1"/>
             <a:r>
               <a:rPr lang="zh-CN" altLang="en-US" dirty="0" smtClean="0"/>
-              <a:t>安</a:t>
-            </a:r>
-            <a:r>
-              <a:rPr lang="zh-CN" altLang="en-US" dirty="0" smtClean="0"/>
-              <a:t>装好之后，打开命令行终端查看版本信</a:t>
-            </a:r>
-            <a:r>
-              <a:rPr lang="zh-CN" altLang="en-US" dirty="0" smtClean="0"/>
-              <a:t>息</a:t>
+              <a:t>安装好之后，打开命令行终端查看版本信息</a:t>
             </a:r>
             <a:endParaRPr lang="en-US" altLang="zh-CN" dirty="0" smtClean="0"/>
           </a:p>
@@ -4525,11 +4480,7 @@
             </a:pPr>
             <a:r>
               <a:rPr lang="en-US" altLang="zh-CN" dirty="0" smtClean="0"/>
-              <a:t>node </a:t>
-            </a:r>
-            <a:r>
-              <a:rPr lang="en-US" altLang="zh-CN" dirty="0" smtClean="0"/>
-              <a:t>–v</a:t>
+              <a:t>node –v</a:t>
             </a:r>
           </a:p>
           <a:p>
@@ -4557,11 +4508,7 @@
             </a:pPr>
             <a:r>
               <a:rPr lang="zh-CN" altLang="en-US" dirty="0" smtClean="0"/>
-              <a:t>建</a:t>
-            </a:r>
-            <a:r>
-              <a:rPr lang="zh-CN" altLang="en-US" dirty="0" smtClean="0"/>
-              <a:t>议安装全局</a:t>
+              <a:t>建议安装全局</a:t>
             </a:r>
             <a:r>
               <a:rPr lang="en-US" altLang="zh-CN" dirty="0" err="1" smtClean="0"/>
@@ -4569,11 +4516,7 @@
             </a:r>
             <a:r>
               <a:rPr lang="zh-CN" altLang="en-US" dirty="0" smtClean="0"/>
-              <a:t>包</a:t>
-            </a:r>
-            <a:r>
-              <a:rPr lang="zh-CN" altLang="en-US" dirty="0" smtClean="0"/>
-              <a:t>：</a:t>
+              <a:t>包：</a:t>
             </a:r>
             <a:r>
               <a:rPr lang="en-US" altLang="zh-CN" dirty="0" err="1" smtClean="0"/>
@@ -4606,19 +4549,11 @@
             </a:r>
             <a:r>
               <a:rPr lang="en-US" altLang="zh-CN" dirty="0" smtClean="0"/>
-              <a:t> </a:t>
-            </a:r>
-            <a:r>
-              <a:rPr lang="en-US" altLang="zh-CN" dirty="0" smtClean="0"/>
-              <a:t>studio</a:t>
-            </a:r>
-            <a:r>
-              <a:rPr lang="zh-CN" altLang="en-US" dirty="0" smtClean="0"/>
-              <a:t>，</a:t>
-            </a:r>
-            <a:r>
-              <a:rPr lang="zh-CN" altLang="en-US" dirty="0" smtClean="0"/>
-              <a:t>主要用于编译</a:t>
+              <a:t> studio</a:t>
+            </a:r>
+            <a:r>
+              <a:rPr lang="zh-CN" altLang="en-US" dirty="0" smtClean="0"/>
+              <a:t>，主要用于编译</a:t>
             </a:r>
             <a:r>
               <a:rPr lang="en-US" altLang="zh-CN" dirty="0" smtClean="0"/>
@@ -4703,44 +4638,20 @@
           <a:p>
             <a:r>
               <a:rPr lang="zh-CN" altLang="en-US" dirty="0" smtClean="0"/>
-              <a:t>参</a:t>
-            </a:r>
-            <a:r>
-              <a:rPr lang="zh-CN" altLang="en-US" dirty="0" smtClean="0"/>
-              <a:t>考官</a:t>
-            </a:r>
-            <a:r>
-              <a:rPr lang="zh-CN" altLang="en-US" dirty="0" smtClean="0"/>
-              <a:t>网 </a:t>
+              <a:t>参考官网 </a:t>
             </a:r>
             <a:r>
               <a:rPr lang="en-US" altLang="zh-CN" dirty="0" smtClean="0">
                 <a:hlinkClick r:id="rId2"/>
               </a:rPr>
-              <a:t>https</a:t>
-            </a:r>
-            <a:r>
-              <a:rPr lang="en-US" altLang="zh-CN" dirty="0" smtClean="0">
-                <a:hlinkClick r:id="rId2"/>
-              </a:rPr>
-              <a:t>://nodejs.org/dist/latest-v8.x/docs/api</a:t>
-            </a:r>
-            <a:r>
-              <a:rPr lang="en-US" altLang="zh-CN" dirty="0" smtClean="0">
-                <a:hlinkClick r:id="rId2"/>
-              </a:rPr>
-              <a:t>/</a:t>
+              <a:t>https://nodejs.org/dist/latest-v8.x/docs/api/</a:t>
             </a:r>
             <a:endParaRPr lang="en-US" altLang="zh-CN" dirty="0" smtClean="0"/>
           </a:p>
           <a:p>
             <a:r>
               <a:rPr lang="zh-CN" altLang="en-US" dirty="0" smtClean="0"/>
-              <a:t>常</a:t>
-            </a:r>
-            <a:r>
-              <a:rPr lang="zh-CN" altLang="en-US" dirty="0" smtClean="0"/>
-              <a:t>用</a:t>
+              <a:t>常用</a:t>
             </a:r>
             <a:r>
               <a:rPr lang="en-US" altLang="zh-CN" dirty="0" smtClean="0"/>
@@ -4829,7 +4740,6 @@
               <a:rPr lang="en-US" altLang="zh-CN" dirty="0" smtClean="0"/>
               <a:t>UDP/Datagram</a:t>
             </a:r>
-            <a:endParaRPr lang="en-US" altLang="zh-CN" dirty="0" smtClean="0"/>
           </a:p>
           <a:p>
             <a:r>
@@ -5007,6 +4917,174 @@
           <a:lstStyle/>
           <a:p>
             <a:r>
+              <a:rPr lang="en-US" altLang="zh-CN" dirty="0" smtClean="0"/>
+              <a:t>Express</a:t>
+            </a:r>
+            <a:r>
+              <a:rPr lang="zh-CN" altLang="en-US" dirty="0" smtClean="0"/>
+              <a:t>实现</a:t>
+            </a:r>
+            <a:endParaRPr lang="zh-CN" altLang="en-US" dirty="0"/>
+          </a:p>
+        </p:txBody>
+      </p:sp>
+      <p:pic>
+        <p:nvPicPr>
+          <p:cNvPr id="1026" name="Picture 2"/>
+          <p:cNvPicPr>
+            <a:picLocks noChangeAspect="1" noChangeArrowheads="1"/>
+          </p:cNvPicPr>
+          <p:nvPr/>
+        </p:nvPicPr>
+        <p:blipFill>
+          <a:blip r:embed="rId2" cstate="print"/>
+          <a:srcRect/>
+          <a:stretch>
+            <a:fillRect/>
+          </a:stretch>
+        </p:blipFill>
+        <p:spPr bwMode="auto">
+          <a:xfrm>
+            <a:off x="611560" y="1628800"/>
+            <a:ext cx="7781925" cy="2438400"/>
+          </a:xfrm>
+          <a:prstGeom prst="rect">
+            <a:avLst/>
+          </a:prstGeom>
+          <a:noFill/>
+          <a:ln w="9525">
+            <a:noFill/>
+            <a:miter lim="800000"/>
+            <a:headEnd/>
+            <a:tailEnd/>
+          </a:ln>
+        </p:spPr>
+      </p:pic>
+    </p:spTree>
+  </p:cSld>
+  <p:clrMapOvr>
+    <a:masterClrMapping/>
+  </p:clrMapOvr>
+</p:sld>
+</file>
+
+<file path=ppt/slides/slide15.xml><?xml version="1.0" encoding="utf-8"?>
+<p:sld xmlns:a="http://schemas.openxmlformats.org/drawingml/2006/main" xmlns:r="http://schemas.openxmlformats.org/officeDocument/2006/relationships" xmlns:p="http://schemas.openxmlformats.org/presentationml/2006/main">
+  <p:cSld>
+    <p:spTree>
+      <p:nvGrpSpPr>
+        <p:cNvPr id="1" name=""/>
+        <p:cNvGrpSpPr/>
+        <p:nvPr/>
+      </p:nvGrpSpPr>
+      <p:grpSpPr>
+        <a:xfrm>
+          <a:off x="0" y="0"/>
+          <a:ext cx="0" cy="0"/>
+          <a:chOff x="0" y="0"/>
+          <a:chExt cx="0" cy="0"/>
+        </a:xfrm>
+      </p:grpSpPr>
+      <p:sp>
+        <p:nvSpPr>
+          <p:cNvPr id="2" name="标题 1"/>
+          <p:cNvSpPr>
+            <a:spLocks noGrp="1"/>
+          </p:cNvSpPr>
+          <p:nvPr>
+            <p:ph type="title"/>
+          </p:nvPr>
+        </p:nvSpPr>
+        <p:spPr/>
+        <p:txBody>
+          <a:bodyPr/>
+          <a:lstStyle/>
+          <a:p>
+            <a:r>
+              <a:rPr lang="en-US" altLang="zh-CN" dirty="0" smtClean="0"/>
+              <a:t>Koa</a:t>
+            </a:r>
+            <a:r>
+              <a:rPr lang="zh-CN" altLang="en-US" dirty="0" smtClean="0"/>
+              <a:t>实现</a:t>
+            </a:r>
+            <a:endParaRPr lang="zh-CN" altLang="en-US" dirty="0"/>
+          </a:p>
+        </p:txBody>
+      </p:sp>
+      <p:pic>
+        <p:nvPicPr>
+          <p:cNvPr id="2050" name="Picture 2"/>
+          <p:cNvPicPr>
+            <a:picLocks noChangeAspect="1" noChangeArrowheads="1"/>
+          </p:cNvPicPr>
+          <p:nvPr/>
+        </p:nvPicPr>
+        <p:blipFill>
+          <a:blip r:embed="rId2" cstate="print"/>
+          <a:srcRect/>
+          <a:stretch>
+            <a:fillRect/>
+          </a:stretch>
+        </p:blipFill>
+        <p:spPr bwMode="auto">
+          <a:xfrm>
+            <a:off x="683568" y="1700808"/>
+            <a:ext cx="7791450" cy="2524125"/>
+          </a:xfrm>
+          <a:prstGeom prst="rect">
+            <a:avLst/>
+          </a:prstGeom>
+          <a:noFill/>
+          <a:ln w="9525">
+            <a:noFill/>
+            <a:miter lim="800000"/>
+            <a:headEnd/>
+            <a:tailEnd/>
+          </a:ln>
+        </p:spPr>
+      </p:pic>
+    </p:spTree>
+  </p:cSld>
+  <p:clrMapOvr>
+    <a:masterClrMapping/>
+  </p:clrMapOvr>
+</p:sld>
+</file>
+
+<file path=ppt/slides/slide16.xml><?xml version="1.0" encoding="utf-8"?>
+<p:sld xmlns:a="http://schemas.openxmlformats.org/drawingml/2006/main" xmlns:r="http://schemas.openxmlformats.org/officeDocument/2006/relationships" xmlns:p="http://schemas.openxmlformats.org/presentationml/2006/main">
+  <p:cSld>
+    <p:spTree>
+      <p:nvGrpSpPr>
+        <p:cNvPr id="1" name=""/>
+        <p:cNvGrpSpPr/>
+        <p:nvPr/>
+      </p:nvGrpSpPr>
+      <p:grpSpPr>
+        <a:xfrm>
+          <a:off x="0" y="0"/>
+          <a:ext cx="0" cy="0"/>
+          <a:chOff x="0" y="0"/>
+          <a:chExt cx="0" cy="0"/>
+        </a:xfrm>
+      </p:grpSpPr>
+      <p:sp>
+        <p:nvSpPr>
+          <p:cNvPr id="2" name="标题 1"/>
+          <p:cNvSpPr>
+            <a:spLocks noGrp="1"/>
+          </p:cNvSpPr>
+          <p:nvPr>
+            <p:ph type="title"/>
+          </p:nvPr>
+        </p:nvSpPr>
+        <p:spPr/>
+        <p:txBody>
+          <a:bodyPr/>
+          <a:lstStyle/>
+          <a:p>
+            <a:r>
               <a:rPr lang="zh-CN" altLang="en-US" dirty="0" smtClean="0"/>
               <a:t>常用的框架</a:t>
             </a:r>
@@ -5096,11 +5174,7 @@
             </a:r>
             <a:r>
               <a:rPr lang="zh-CN" altLang="en-US" dirty="0" smtClean="0"/>
-              <a:t>是什么</a:t>
-            </a:r>
-            <a:r>
-              <a:rPr lang="zh-CN" altLang="en-US" dirty="0" smtClean="0"/>
-              <a:t>？</a:t>
+              <a:t>是什么？</a:t>
             </a:r>
             <a:endParaRPr lang="zh-CN" altLang="en-US" dirty="0"/>
           </a:p>
@@ -5161,11 +5235,7 @@
             </a:r>
             <a:r>
               <a:rPr lang="zh-CN" altLang="en-US" dirty="0" smtClean="0"/>
-              <a:t>，同样采用内存回收机制（垃圾回收）来管理内存</a:t>
-            </a:r>
-            <a:r>
-              <a:rPr lang="zh-CN" altLang="en-US" dirty="0" smtClean="0"/>
-              <a:t>。</a:t>
+              <a:t>，同样采用内存回收机制（垃圾回收）来管理内存。</a:t>
             </a:r>
             <a:endParaRPr lang="en-US" altLang="zh-CN" dirty="0" smtClean="0"/>
           </a:p>
@@ -5291,11 +5361,7 @@
             </a:r>
             <a:r>
               <a:rPr lang="zh-CN" altLang="en-US" dirty="0" smtClean="0"/>
-              <a:t>的特</a:t>
-            </a:r>
-            <a:r>
-              <a:rPr lang="zh-CN" altLang="en-US" dirty="0" smtClean="0"/>
-              <a:t>点</a:t>
+              <a:t>的特点</a:t>
             </a:r>
             <a:endParaRPr lang="zh-CN" altLang="en-US" dirty="0"/>
           </a:p>
@@ -5489,19 +5555,11 @@
             </a:r>
             <a:r>
               <a:rPr lang="en-US" altLang="zh-CN" b="1" dirty="0" smtClean="0"/>
-              <a:t>IO </a:t>
-            </a:r>
-            <a:r>
-              <a:rPr lang="en-US" altLang="zh-CN" b="1" dirty="0" smtClean="0"/>
-              <a:t>– </a:t>
-            </a:r>
-            <a:r>
-              <a:rPr lang="zh-CN" altLang="en-US" dirty="0" smtClean="0"/>
-              <a:t>文</a:t>
-            </a:r>
-            <a:r>
-              <a:rPr lang="zh-CN" altLang="en-US" dirty="0" smtClean="0"/>
-              <a:t>件</a:t>
+              <a:t>IO – </a:t>
+            </a:r>
+            <a:r>
+              <a:rPr lang="zh-CN" altLang="en-US" dirty="0" smtClean="0"/>
+              <a:t>文件</a:t>
             </a:r>
             <a:r>
               <a:rPr lang="en-US" altLang="zh-CN" dirty="0" smtClean="0"/>
@@ -5597,23 +5655,11 @@
             </a:r>
             <a:r>
               <a:rPr lang="en-US" altLang="zh-CN" b="1" dirty="0" smtClean="0"/>
-              <a:t>IO </a:t>
-            </a:r>
-            <a:r>
-              <a:rPr lang="en-US" altLang="zh-CN" b="1" dirty="0" smtClean="0"/>
-              <a:t>– </a:t>
-            </a:r>
-            <a:r>
-              <a:rPr lang="zh-CN" altLang="en-US" dirty="0" smtClean="0"/>
-              <a:t>数</a:t>
-            </a:r>
-            <a:r>
-              <a:rPr lang="zh-CN" altLang="en-US" dirty="0" smtClean="0"/>
-              <a:t>据库读</a:t>
-            </a:r>
-            <a:r>
-              <a:rPr lang="zh-CN" altLang="en-US" dirty="0" smtClean="0"/>
-              <a:t>取</a:t>
+              <a:t>IO – </a:t>
+            </a:r>
+            <a:r>
+              <a:rPr lang="zh-CN" altLang="en-US" dirty="0" smtClean="0"/>
+              <a:t>数据库读取</a:t>
             </a:r>
             <a:endParaRPr lang="zh-CN" altLang="en-US" dirty="0"/>
           </a:p>
